--- a/Presentations/Team Status Report 8-3-12.pptx
+++ b/Presentations/Team Status Report 8-3-12.pptx
@@ -196,7 +196,8 @@
           <a:p>
             <a:fld id="{688D6D9A-8D7D-4F7D-B011-118AF81EF946}" type="datetimeFigureOut">
               <a:rPr lang="en-US" smtClean="0"/>
-              <a:t>8/2/2012</a:t>
+              <a:pPr/>
+              <a:t>8/3/2012</a:t>
             </a:fld>
             <a:endParaRPr lang="en-US"/>
           </a:p>
@@ -355,6 +356,7 @@
           <a:p>
             <a:fld id="{165BAAFA-8569-4F3A-B5A8-377F352D7750}" type="slidenum">
               <a:rPr lang="en-US" smtClean="0"/>
+              <a:pPr/>
               <a:t>‹#›</a:t>
             </a:fld>
             <a:endParaRPr lang="en-US"/>
@@ -364,7 +366,7 @@
     </p:spTree>
     <p:extLst>
       <p:ext uri="{BB962C8B-B14F-4D97-AF65-F5344CB8AC3E}">
-        <p14:creationId xmlns:p14="http://schemas.microsoft.com/office/powerpoint/2010/main" val="826716080"/>
+        <p14:creationId xmlns:p14="http://schemas.microsoft.com/office/powerpoint/2010/main" xmlns="" val="826716080"/>
       </p:ext>
     </p:extLst>
   </p:cSld>
@@ -529,6 +531,7 @@
           <a:p>
             <a:fld id="{165BAAFA-8569-4F3A-B5A8-377F352D7750}" type="slidenum">
               <a:rPr lang="en-US" smtClean="0"/>
+              <a:pPr/>
               <a:t>1</a:t>
             </a:fld>
             <a:endParaRPr lang="en-US"/>
@@ -538,7 +541,7 @@
     </p:spTree>
     <p:extLst>
       <p:ext uri="{BB962C8B-B14F-4D97-AF65-F5344CB8AC3E}">
-        <p14:creationId xmlns:p14="http://schemas.microsoft.com/office/powerpoint/2010/main" val="301131134"/>
+        <p14:creationId xmlns:p14="http://schemas.microsoft.com/office/powerpoint/2010/main" xmlns="" val="301131134"/>
       </p:ext>
     </p:extLst>
   </p:cSld>
@@ -779,7 +782,8 @@
             <a:pPr algn="l" eaLnBrk="1" latinLnBrk="0" hangingPunct="1"/>
             <a:fld id="{48D92626-37D2-4832-BF7A-BC283494A20D}" type="datetimeFigureOut">
               <a:rPr lang="en-US" smtClean="0"/>
-              <a:t>8/2/2012</a:t>
+              <a:pPr algn="l" eaLnBrk="1" latinLnBrk="0" hangingPunct="1"/>
+              <a:t>8/3/2012</a:t>
             </a:fld>
             <a:endParaRPr lang="en-US"/>
           </a:p>
@@ -822,6 +826,7 @@
             <a:pPr algn="r" eaLnBrk="1" latinLnBrk="0" hangingPunct="1"/>
             <a:fld id="{8C592886-E571-45D5-8B56-343DC94F8FA6}" type="slidenum">
               <a:rPr kumimoji="0" lang="en-US" smtClean="0"/>
+              <a:pPr algn="r" eaLnBrk="1" latinLnBrk="0" hangingPunct="1"/>
               <a:t>‹#›</a:t>
             </a:fld>
             <a:endParaRPr kumimoji="0" lang="en-US" dirty="0">
@@ -999,7 +1004,8 @@
           <a:p>
             <a:fld id="{48D92626-37D2-4832-BF7A-BC283494A20D}" type="datetimeFigureOut">
               <a:rPr lang="en-US" smtClean="0"/>
-              <a:t>8/2/2012</a:t>
+              <a:pPr/>
+              <a:t>8/3/2012</a:t>
             </a:fld>
             <a:endParaRPr lang="en-US"/>
           </a:p>
@@ -1041,6 +1047,7 @@
           <a:p>
             <a:fld id="{8C592886-E571-45D5-8B56-343DC94F8FA6}" type="slidenum">
               <a:rPr kumimoji="0" lang="en-US" smtClean="0"/>
+              <a:pPr/>
               <a:t>‹#›</a:t>
             </a:fld>
             <a:endParaRPr kumimoji="0" lang="en-US"/>
@@ -1174,7 +1181,8 @@
           <a:p>
             <a:fld id="{48D92626-37D2-4832-BF7A-BC283494A20D}" type="datetimeFigureOut">
               <a:rPr lang="en-US" smtClean="0"/>
-              <a:t>8/2/2012</a:t>
+              <a:pPr/>
+              <a:t>8/3/2012</a:t>
             </a:fld>
             <a:endParaRPr lang="en-US"/>
           </a:p>
@@ -1216,6 +1224,7 @@
           <a:p>
             <a:fld id="{8C592886-E571-45D5-8B56-343DC94F8FA6}" type="slidenum">
               <a:rPr kumimoji="0" lang="en-US" smtClean="0"/>
+              <a:pPr/>
               <a:t>‹#›</a:t>
             </a:fld>
             <a:endParaRPr kumimoji="0" lang="en-US"/>
@@ -1339,7 +1348,8 @@
           <a:p>
             <a:fld id="{48D92626-37D2-4832-BF7A-BC283494A20D}" type="datetimeFigureOut">
               <a:rPr lang="en-US" smtClean="0"/>
-              <a:t>8/2/2012</a:t>
+              <a:pPr/>
+              <a:t>8/3/2012</a:t>
             </a:fld>
             <a:endParaRPr lang="en-US"/>
           </a:p>
@@ -1381,6 +1391,7 @@
           <a:p>
             <a:fld id="{8C592886-E571-45D5-8B56-343DC94F8FA6}" type="slidenum">
               <a:rPr kumimoji="0" lang="en-US" smtClean="0"/>
+              <a:pPr/>
               <a:t>‹#›</a:t>
             </a:fld>
             <a:endParaRPr kumimoji="0" lang="en-US" dirty="0"/>
@@ -1624,7 +1635,8 @@
             <a:pPr algn="l" eaLnBrk="1" latinLnBrk="0" hangingPunct="1"/>
             <a:fld id="{48D92626-37D2-4832-BF7A-BC283494A20D}" type="datetimeFigureOut">
               <a:rPr lang="en-US" smtClean="0"/>
-              <a:t>8/2/2012</a:t>
+              <a:pPr algn="l" eaLnBrk="1" latinLnBrk="0" hangingPunct="1"/>
+              <a:t>8/3/2012</a:t>
             </a:fld>
             <a:endParaRPr lang="en-US"/>
           </a:p>
@@ -1667,6 +1679,7 @@
             <a:pPr algn="r" eaLnBrk="1" latinLnBrk="0" hangingPunct="1"/>
             <a:fld id="{8C592886-E571-45D5-8B56-343DC94F8FA6}" type="slidenum">
               <a:rPr kumimoji="0" lang="en-US" smtClean="0"/>
+              <a:pPr algn="r" eaLnBrk="1" latinLnBrk="0" hangingPunct="1"/>
               <a:t>‹#›</a:t>
             </a:fld>
             <a:endParaRPr kumimoji="0" lang="en-US">
@@ -1957,7 +1970,8 @@
           <a:p>
             <a:fld id="{48D92626-37D2-4832-BF7A-BC283494A20D}" type="datetimeFigureOut">
               <a:rPr lang="en-US" smtClean="0"/>
-              <a:t>8/2/2012</a:t>
+              <a:pPr/>
+              <a:t>8/3/2012</a:t>
             </a:fld>
             <a:endParaRPr lang="en-US"/>
           </a:p>
@@ -1999,6 +2013,7 @@
           <a:p>
             <a:fld id="{8C592886-E571-45D5-8B56-343DC94F8FA6}" type="slidenum">
               <a:rPr kumimoji="0" lang="en-US" smtClean="0"/>
+              <a:pPr/>
               <a:t>‹#›</a:t>
             </a:fld>
             <a:endParaRPr kumimoji="0" lang="en-US"/>
@@ -2382,7 +2397,8 @@
           <a:p>
             <a:fld id="{48D92626-37D2-4832-BF7A-BC283494A20D}" type="datetimeFigureOut">
               <a:rPr lang="en-US" smtClean="0"/>
-              <a:t>8/2/2012</a:t>
+              <a:pPr/>
+              <a:t>8/3/2012</a:t>
             </a:fld>
             <a:endParaRPr lang="en-US"/>
           </a:p>
@@ -2424,6 +2440,7 @@
           <a:p>
             <a:fld id="{8C592886-E571-45D5-8B56-343DC94F8FA6}" type="slidenum">
               <a:rPr kumimoji="0" lang="en-US" smtClean="0"/>
+              <a:pPr/>
               <a:t>‹#›</a:t>
             </a:fld>
             <a:endParaRPr kumimoji="0" lang="en-US" dirty="0"/>
@@ -2555,7 +2572,8 @@
           <a:p>
             <a:fld id="{48D92626-37D2-4832-BF7A-BC283494A20D}" type="datetimeFigureOut">
               <a:rPr lang="en-US" smtClean="0"/>
-              <a:t>8/2/2012</a:t>
+              <a:pPr/>
+              <a:t>8/3/2012</a:t>
             </a:fld>
             <a:endParaRPr lang="en-US"/>
           </a:p>
@@ -2597,6 +2615,7 @@
           <a:p>
             <a:fld id="{8C592886-E571-45D5-8B56-343DC94F8FA6}" type="slidenum">
               <a:rPr kumimoji="0" lang="en-US" smtClean="0"/>
+              <a:pPr/>
               <a:t>‹#›</a:t>
             </a:fld>
             <a:endParaRPr kumimoji="0" lang="en-US"/>
@@ -2645,7 +2664,8 @@
           <a:p>
             <a:fld id="{48D92626-37D2-4832-BF7A-BC283494A20D}" type="datetimeFigureOut">
               <a:rPr lang="en-US" smtClean="0"/>
-              <a:t>8/2/2012</a:t>
+              <a:pPr/>
+              <a:t>8/3/2012</a:t>
             </a:fld>
             <a:endParaRPr lang="en-US"/>
           </a:p>
@@ -2687,6 +2707,7 @@
           <a:p>
             <a:fld id="{8C592886-E571-45D5-8B56-343DC94F8FA6}" type="slidenum">
               <a:rPr kumimoji="0" lang="en-US" smtClean="0"/>
+              <a:pPr/>
               <a:t>‹#›</a:t>
             </a:fld>
             <a:endParaRPr kumimoji="0" lang="en-US"/>
@@ -2926,7 +2947,8 @@
             <a:pPr algn="l" eaLnBrk="1" latinLnBrk="0" hangingPunct="1"/>
             <a:fld id="{48D92626-37D2-4832-BF7A-BC283494A20D}" type="datetimeFigureOut">
               <a:rPr lang="en-US" smtClean="0"/>
-              <a:t>8/2/2012</a:t>
+              <a:pPr algn="l" eaLnBrk="1" latinLnBrk="0" hangingPunct="1"/>
+              <a:t>8/3/2012</a:t>
             </a:fld>
             <a:endParaRPr lang="en-US"/>
           </a:p>
@@ -2969,6 +2991,7 @@
             <a:pPr algn="r" eaLnBrk="1" latinLnBrk="0" hangingPunct="1"/>
             <a:fld id="{8C592886-E571-45D5-8B56-343DC94F8FA6}" type="slidenum">
               <a:rPr kumimoji="0" lang="en-US" smtClean="0"/>
+              <a:pPr algn="r" eaLnBrk="1" latinLnBrk="0" hangingPunct="1"/>
               <a:t>‹#›</a:t>
             </a:fld>
             <a:endParaRPr kumimoji="0" lang="en-US">
@@ -3233,7 +3256,8 @@
             <a:pPr algn="l" eaLnBrk="1" latinLnBrk="0" hangingPunct="1"/>
             <a:fld id="{48D92626-37D2-4832-BF7A-BC283494A20D}" type="datetimeFigureOut">
               <a:rPr lang="en-US" smtClean="0"/>
-              <a:t>8/2/2012</a:t>
+              <a:pPr algn="l" eaLnBrk="1" latinLnBrk="0" hangingPunct="1"/>
+              <a:t>8/3/2012</a:t>
             </a:fld>
             <a:endParaRPr lang="en-US"/>
           </a:p>
@@ -3276,6 +3300,7 @@
             <a:pPr algn="r" eaLnBrk="1" latinLnBrk="0" hangingPunct="1"/>
             <a:fld id="{8C592886-E571-45D5-8B56-343DC94F8FA6}" type="slidenum">
               <a:rPr kumimoji="0" lang="en-US" smtClean="0"/>
+              <a:pPr algn="r" eaLnBrk="1" latinLnBrk="0" hangingPunct="1"/>
               <a:t>‹#›</a:t>
             </a:fld>
             <a:endParaRPr kumimoji="0" lang="en-US">
@@ -3451,7 +3476,8 @@
             <a:pPr algn="l" eaLnBrk="1" latinLnBrk="0" hangingPunct="1"/>
             <a:fld id="{48D92626-37D2-4832-BF7A-BC283494A20D}" type="datetimeFigureOut">
               <a:rPr lang="en-US" smtClean="0"/>
-              <a:t>8/2/2012</a:t>
+              <a:pPr algn="l" eaLnBrk="1" latinLnBrk="0" hangingPunct="1"/>
+              <a:t>8/3/2012</a:t>
             </a:fld>
             <a:endParaRPr lang="en-US" sz="1300" dirty="0">
               <a:solidFill>
@@ -3548,6 +3574,7 @@
             <a:pPr algn="r" eaLnBrk="1" latinLnBrk="0" hangingPunct="1"/>
             <a:fld id="{8C592886-E571-45D5-8B56-343DC94F8FA6}" type="slidenum">
               <a:rPr kumimoji="0" lang="en-US" smtClean="0"/>
+              <a:pPr algn="r" eaLnBrk="1" latinLnBrk="0" hangingPunct="1"/>
               <a:t>‹#›</a:t>
             </a:fld>
             <a:endParaRPr kumimoji="0" lang="en-US" sz="1600" b="1" dirty="0">
@@ -4066,10 +4093,10 @@
           <p:nvPr/>
         </p:nvPicPr>
         <p:blipFill>
-          <a:blip r:embed="rId3">
+          <a:blip r:embed="rId3" cstate="print">
             <a:extLst>
               <a:ext uri="{28A0092B-C50C-407E-A947-70E740481C1C}">
-                <a14:useLocalDpi xmlns:a14="http://schemas.microsoft.com/office/drawing/2010/main" val="0"/>
+                <a14:useLocalDpi xmlns:a14="http://schemas.microsoft.com/office/drawing/2010/main" xmlns="" val="0"/>
               </a:ext>
             </a:extLst>
           </a:blip>
@@ -4093,14 +4120,14 @@
           <a:effectLst/>
           <a:extLst>
             <a:ext uri="{909E8E84-426E-40DD-AFC4-6F175D3DCCD1}">
-              <a14:hiddenFill xmlns:a14="http://schemas.microsoft.com/office/drawing/2010/main">
+              <a14:hiddenFill xmlns:a14="http://schemas.microsoft.com/office/drawing/2010/main" xmlns="">
                 <a:solidFill>
                   <a:schemeClr val="accent1"/>
                 </a:solidFill>
               </a14:hiddenFill>
             </a:ext>
             <a:ext uri="{91240B29-F687-4F45-9708-019B960494DF}">
-              <a14:hiddenLine xmlns:a14="http://schemas.microsoft.com/office/drawing/2010/main" w="9525">
+              <a14:hiddenLine xmlns:a14="http://schemas.microsoft.com/office/drawing/2010/main" xmlns="" w="9525">
                 <a:solidFill>
                   <a:schemeClr val="tx1"/>
                 </a:solidFill>
@@ -4110,7 +4137,7 @@
               </a14:hiddenLine>
             </a:ext>
             <a:ext uri="{AF507438-7753-43E0-B8FC-AC1667EBCBE1}">
-              <a14:hiddenEffects xmlns:a14="http://schemas.microsoft.com/office/drawing/2010/main">
+              <a14:hiddenEffects xmlns:a14="http://schemas.microsoft.com/office/drawing/2010/main" xmlns="">
                 <a:effectLst>
                   <a:outerShdw dist="35921" dir="2700000" algn="ctr" rotWithShape="0">
                     <a:schemeClr val="bg2"/>
@@ -4124,7 +4151,7 @@
     </p:spTree>
     <p:extLst>
       <p:ext uri="{BB962C8B-B14F-4D97-AF65-F5344CB8AC3E}">
-        <p14:creationId xmlns:p14="http://schemas.microsoft.com/office/powerpoint/2010/main" val="1681936946"/>
+        <p14:creationId xmlns:p14="http://schemas.microsoft.com/office/powerpoint/2010/main" xmlns="" val="1681936946"/>
       </p:ext>
     </p:extLst>
   </p:cSld>
@@ -4204,7 +4231,11 @@
           <a:p>
             <a:r>
               <a:rPr lang="en-US" dirty="0" smtClean="0"/>
-              <a:t>Redid cost analysis</a:t>
+              <a:t>Refined </a:t>
+            </a:r>
+            <a:r>
+              <a:rPr lang="en-US" dirty="0" smtClean="0"/>
+              <a:t>cost analysis</a:t>
             </a:r>
           </a:p>
           <a:p>
@@ -4244,7 +4275,7 @@
     </p:spTree>
     <p:extLst>
       <p:ext uri="{BB962C8B-B14F-4D97-AF65-F5344CB8AC3E}">
-        <p14:creationId xmlns:p14="http://schemas.microsoft.com/office/powerpoint/2010/main" val="3242721611"/>
+        <p14:creationId xmlns:p14="http://schemas.microsoft.com/office/powerpoint/2010/main" xmlns="" val="3242721611"/>
       </p:ext>
     </p:extLst>
   </p:cSld>
@@ -4338,7 +4369,7 @@
     </p:spTree>
     <p:extLst>
       <p:ext uri="{BB962C8B-B14F-4D97-AF65-F5344CB8AC3E}">
-        <p14:creationId xmlns:p14="http://schemas.microsoft.com/office/powerpoint/2010/main" val="3021660785"/>
+        <p14:creationId xmlns:p14="http://schemas.microsoft.com/office/powerpoint/2010/main" xmlns="" val="3021660785"/>
       </p:ext>
     </p:extLst>
   </p:cSld>
@@ -4434,7 +4465,7 @@
     </p:spTree>
     <p:extLst>
       <p:ext uri="{BB962C8B-B14F-4D97-AF65-F5344CB8AC3E}">
-        <p14:creationId xmlns:p14="http://schemas.microsoft.com/office/powerpoint/2010/main" val="3596505495"/>
+        <p14:creationId xmlns:p14="http://schemas.microsoft.com/office/powerpoint/2010/main" xmlns="" val="3596505495"/>
       </p:ext>
     </p:extLst>
   </p:cSld>
@@ -4612,10 +4643,10 @@
           <p:nvPr/>
         </p:nvPicPr>
         <p:blipFill>
-          <a:blip r:embed="rId2">
+          <a:blip r:embed="rId2" cstate="print">
             <a:extLst>
               <a:ext uri="{28A0092B-C50C-407E-A947-70E740481C1C}">
-                <a14:useLocalDpi xmlns:a14="http://schemas.microsoft.com/office/drawing/2010/main" val="0"/>
+                <a14:useLocalDpi xmlns:a14="http://schemas.microsoft.com/office/drawing/2010/main" xmlns="" val="0"/>
               </a:ext>
             </a:extLst>
           </a:blip>
@@ -4635,7 +4666,7 @@
           <a:noFill/>
           <a:extLst>
             <a:ext uri="{909E8E84-426E-40DD-AFC4-6F175D3DCCD1}">
-              <a14:hiddenFill xmlns:a14="http://schemas.microsoft.com/office/drawing/2010/main">
+              <a14:hiddenFill xmlns:a14="http://schemas.microsoft.com/office/drawing/2010/main" xmlns="">
                 <a:solidFill>
                   <a:srgbClr val="FFFFFF"/>
                 </a:solidFill>
@@ -4647,7 +4678,7 @@
     </p:spTree>
     <p:extLst>
       <p:ext uri="{BB962C8B-B14F-4D97-AF65-F5344CB8AC3E}">
-        <p14:creationId xmlns:p14="http://schemas.microsoft.com/office/powerpoint/2010/main" val="3750644238"/>
+        <p14:creationId xmlns:p14="http://schemas.microsoft.com/office/powerpoint/2010/main" xmlns="" val="3750644238"/>
       </p:ext>
     </p:extLst>
   </p:cSld>
